--- a/docs/None.pptx
+++ b/docs/None.pptx
@@ -108,6 +108,11 @@
       </a:defRPr>
     </a:lvl9pPr>
   </p:defaultTextStyle>
+  <p:extLst>
+    <p:ext uri="{EFAFB233-063F-42B5-8137-9DF3F51BA10A}">
+      <p15:sldGuideLst xmlns:p15="http://schemas.microsoft.com/office/powerpoint/2012/main"/>
+    </p:ext>
+  </p:extLst>
 </p:presentation>
 </file>
 
@@ -4393,7 +4398,7 @@
           <a:p>
             <a:fld id="{48A87A34-81AB-432B-8DAE-1953F412C126}" type="datetimeFigureOut">
               <a:rPr lang="en-US" dirty="0"/>
-              <a:t>12/30/2021</a:t>
+              <a:t>1/19/2022</a:t>
             </a:fld>
             <a:endParaRPr lang="en-US" dirty="0"/>
           </a:p>
@@ -4655,7 +4660,7 @@
           <a:p>
             <a:fld id="{48A87A34-81AB-432B-8DAE-1953F412C126}" type="datetimeFigureOut">
               <a:rPr lang="en-US" dirty="0"/>
-              <a:t>12/30/2021</a:t>
+              <a:t>1/19/2022</a:t>
             </a:fld>
             <a:endParaRPr lang="en-US" dirty="0"/>
           </a:p>
@@ -4846,7 +4851,7 @@
           <a:p>
             <a:fld id="{48A87A34-81AB-432B-8DAE-1953F412C126}" type="datetimeFigureOut">
               <a:rPr lang="en-US" dirty="0"/>
-              <a:t>12/30/2021</a:t>
+              <a:t>1/19/2022</a:t>
             </a:fld>
             <a:endParaRPr lang="en-US" dirty="0"/>
           </a:p>
@@ -5104,7 +5109,7 @@
           <a:p>
             <a:fld id="{48A87A34-81AB-432B-8DAE-1953F412C126}" type="datetimeFigureOut">
               <a:rPr lang="en-US" dirty="0"/>
-              <a:t>12/30/2021</a:t>
+              <a:t>1/19/2022</a:t>
             </a:fld>
             <a:endParaRPr lang="en-US" dirty="0"/>
           </a:p>
@@ -5533,7 +5538,7 @@
           <a:p>
             <a:fld id="{48A87A34-81AB-432B-8DAE-1953F412C126}" type="datetimeFigureOut">
               <a:rPr lang="en-US" dirty="0"/>
-              <a:t>12/30/2021</a:t>
+              <a:t>1/19/2022</a:t>
             </a:fld>
             <a:endParaRPr lang="en-US" dirty="0"/>
           </a:p>
@@ -6074,7 +6079,7 @@
           <a:p>
             <a:fld id="{48A87A34-81AB-432B-8DAE-1953F412C126}" type="datetimeFigureOut">
               <a:rPr lang="en-US" dirty="0"/>
-              <a:t>12/30/2021</a:t>
+              <a:t>1/19/2022</a:t>
             </a:fld>
             <a:endParaRPr lang="en-US" dirty="0"/>
           </a:p>
@@ -6789,7 +6794,7 @@
           <a:p>
             <a:fld id="{48A87A34-81AB-432B-8DAE-1953F412C126}" type="datetimeFigureOut">
               <a:rPr lang="en-US" dirty="0"/>
-              <a:t>12/30/2021</a:t>
+              <a:t>1/19/2022</a:t>
             </a:fld>
             <a:endParaRPr lang="en-US" dirty="0"/>
           </a:p>
@@ -6954,7 +6959,7 @@
           <a:p>
             <a:fld id="{48A87A34-81AB-432B-8DAE-1953F412C126}" type="datetimeFigureOut">
               <a:rPr lang="en-US" dirty="0"/>
-              <a:t>12/30/2021</a:t>
+              <a:t>1/19/2022</a:t>
             </a:fld>
             <a:endParaRPr lang="en-US" dirty="0"/>
           </a:p>
@@ -7129,7 +7134,7 @@
           <a:p>
             <a:fld id="{48A87A34-81AB-432B-8DAE-1953F412C126}" type="datetimeFigureOut">
               <a:rPr lang="en-US" dirty="0"/>
-              <a:t>12/30/2021</a:t>
+              <a:t>1/19/2022</a:t>
             </a:fld>
             <a:endParaRPr lang="en-US" dirty="0"/>
           </a:p>
@@ -7294,7 +7299,7 @@
           <a:p>
             <a:fld id="{48A87A34-81AB-432B-8DAE-1953F412C126}" type="datetimeFigureOut">
               <a:rPr lang="en-US" dirty="0"/>
-              <a:t>12/30/2021</a:t>
+              <a:t>1/19/2022</a:t>
             </a:fld>
             <a:endParaRPr lang="en-US" dirty="0"/>
           </a:p>
@@ -7539,7 +7544,7 @@
           <a:p>
             <a:fld id="{48A87A34-81AB-432B-8DAE-1953F412C126}" type="datetimeFigureOut">
               <a:rPr lang="en-US" dirty="0"/>
-              <a:t>12/30/2021</a:t>
+              <a:t>1/19/2022</a:t>
             </a:fld>
             <a:endParaRPr lang="en-US" dirty="0"/>
           </a:p>
@@ -7766,7 +7771,7 @@
           <a:p>
             <a:fld id="{48A87A34-81AB-432B-8DAE-1953F412C126}" type="datetimeFigureOut">
               <a:rPr lang="en-US" dirty="0"/>
-              <a:t>12/30/2021</a:t>
+              <a:t>1/19/2022</a:t>
             </a:fld>
             <a:endParaRPr lang="en-US" dirty="0"/>
           </a:p>
@@ -8142,7 +8147,7 @@
           <a:p>
             <a:fld id="{48A87A34-81AB-432B-8DAE-1953F412C126}" type="datetimeFigureOut">
               <a:rPr lang="en-US" dirty="0"/>
-              <a:t>12/30/2021</a:t>
+              <a:t>1/19/2022</a:t>
             </a:fld>
             <a:endParaRPr lang="en-US" dirty="0"/>
           </a:p>
@@ -8255,7 +8260,7 @@
           <a:p>
             <a:fld id="{48A87A34-81AB-432B-8DAE-1953F412C126}" type="datetimeFigureOut">
               <a:rPr lang="en-US" dirty="0"/>
-              <a:t>12/30/2021</a:t>
+              <a:t>1/19/2022</a:t>
             </a:fld>
             <a:endParaRPr lang="en-US" dirty="0"/>
           </a:p>
@@ -8345,7 +8350,7 @@
           <a:p>
             <a:fld id="{48A87A34-81AB-432B-8DAE-1953F412C126}" type="datetimeFigureOut">
               <a:rPr lang="en-US" dirty="0"/>
-              <a:t>12/30/2021</a:t>
+              <a:t>1/19/2022</a:t>
             </a:fld>
             <a:endParaRPr lang="en-US" dirty="0"/>
           </a:p>
@@ -8589,7 +8594,7 @@
           <a:p>
             <a:fld id="{48A87A34-81AB-432B-8DAE-1953F412C126}" type="datetimeFigureOut">
               <a:rPr lang="en-US" dirty="0"/>
-              <a:t>12/30/2021</a:t>
+              <a:t>1/19/2022</a:t>
             </a:fld>
             <a:endParaRPr lang="en-US" dirty="0"/>
           </a:p>
@@ -8864,7 +8869,7 @@
           <a:p>
             <a:fld id="{48A87A34-81AB-432B-8DAE-1953F412C126}" type="datetimeFigureOut">
               <a:rPr lang="en-US" dirty="0"/>
-              <a:t>12/30/2021</a:t>
+              <a:t>1/19/2022</a:t>
             </a:fld>
             <a:endParaRPr lang="en-US" dirty="0"/>
           </a:p>
@@ -11927,7 +11932,7 @@
             <a:fld id="{48A87A34-81AB-432B-8DAE-1953F412C126}" type="datetimeFigureOut">
               <a:rPr lang="en-US" dirty="0"/>
               <a:pPr/>
-              <a:t>12/30/2021</a:t>
+              <a:t>1/19/2022</a:t>
             </a:fld>
             <a:endParaRPr lang="en-US" dirty="0"/>
           </a:p>
@@ -12487,15 +12492,27 @@
             </a:r>
             <a:r>
               <a:rPr lang="ru-RU" dirty="0" smtClean="0"/>
-              <a:t>, где тебе нужно собирать </a:t>
+              <a:t>, где тебе нужно </a:t>
+            </a:r>
+            <a:r>
+              <a:rPr lang="ru-RU" dirty="0" smtClean="0"/>
+              <a:t>за минимальное </a:t>
             </a:r>
             <a:r>
               <a:rPr lang="ru-RU" dirty="0" err="1" smtClean="0"/>
-              <a:t>рандомно</a:t>
+              <a:t>вермя</a:t>
             </a:r>
             <a:r>
               <a:rPr lang="ru-RU" dirty="0" smtClean="0"/>
-              <a:t> разбросанные очки, и найти проход на следующий уровень, так же реализовать препятствия и возможно Босса! </a:t>
+              <a:t> пройти игру, собираю ключи для прохождения по уровням</a:t>
+            </a:r>
+            <a:r>
+              <a:rPr lang="ru-RU" dirty="0" smtClean="0"/>
+              <a:t>, </a:t>
+            </a:r>
+            <a:r>
+              <a:rPr lang="ru-RU" dirty="0" smtClean="0"/>
+              <a:t>так же реализовать препятствия и возможно Босса! </a:t>
             </a:r>
             <a:endParaRPr lang="ru-RU" dirty="0"/>
           </a:p>
@@ -12710,7 +12727,7 @@
             </a:r>
             <a:r>
               <a:rPr lang="ru-RU" dirty="0" smtClean="0"/>
-              <a:t>. Сейчас реализованы классы:</a:t>
+              <a:t>. реализованы классы:</a:t>
             </a:r>
           </a:p>
           <a:p>
@@ -12734,7 +12751,15 @@
           <a:p>
             <a:r>
               <a:rPr lang="ru-RU" dirty="0" smtClean="0"/>
-              <a:t>Вспомогательные классы</a:t>
+              <a:t>Вспомогательные классы(</a:t>
+            </a:r>
+            <a:r>
+              <a:rPr lang="ru-RU" dirty="0" err="1" smtClean="0"/>
+              <a:t>Менюшки</a:t>
+            </a:r>
+            <a:r>
+              <a:rPr lang="ru-RU" dirty="0" smtClean="0"/>
+              <a:t>, платформы с выталкивающей функцией)</a:t>
             </a:r>
           </a:p>
           <a:p>
@@ -12814,10 +12839,18 @@
           <a:lstStyle/>
           <a:p>
             <a:r>
-              <a:rPr lang="en-US" smtClean="0"/>
-              <a:t>TODO</a:t>
-            </a:r>
-            <a:endParaRPr lang="ru-RU"/>
+              <a:rPr lang="ru-RU" dirty="0" smtClean="0"/>
+              <a:t>Я создал </a:t>
+            </a:r>
+            <a:r>
+              <a:rPr lang="ru-RU" dirty="0" err="1" smtClean="0"/>
+              <a:t>платформер</a:t>
+            </a:r>
+            <a:r>
+              <a:rPr lang="ru-RU" dirty="0" smtClean="0"/>
+              <a:t> в смысл которого прохождение за минимальное время. Удачного прохождения!!!</a:t>
+            </a:r>
+            <a:endParaRPr lang="ru-RU" dirty="0"/>
           </a:p>
         </p:txBody>
       </p:sp>
